--- a/201640225_윤인하.pptx
+++ b/201640225_윤인하.pptx
@@ -16,11 +16,14 @@
     <p:sldId id="264" r:id="rId10"/>
     <p:sldId id="265" r:id="rId11"/>
     <p:sldId id="266" r:id="rId12"/>
-    <p:sldId id="267" r:id="rId13"/>
-    <p:sldId id="268" r:id="rId14"/>
-    <p:sldId id="269" r:id="rId15"/>
-    <p:sldId id="270" r:id="rId16"/>
-    <p:sldId id="271" r:id="rId17"/>
+    <p:sldId id="269" r:id="rId13"/>
+    <p:sldId id="267" r:id="rId14"/>
+    <p:sldId id="270" r:id="rId15"/>
+    <p:sldId id="271" r:id="rId16"/>
+    <p:sldId id="272" r:id="rId17"/>
+    <p:sldId id="273" r:id="rId18"/>
+    <p:sldId id="268" r:id="rId19"/>
+    <p:sldId id="274" r:id="rId20"/>
   </p:sldIdLst>
   <p:sldSz cx="12192000" cy="6858000"/>
   <p:notesSz cx="6858000" cy="9144000"/>
@@ -251,9 +254,9 @@
           <a:bodyPr/>
           <a:lstStyle/>
           <a:p>
-            <a:fld id="{AFA440EB-78CB-4CCF-985C-74540B9D3F4C}" type="datetimeFigureOut">
-              <a:rPr lang="ko-KR" altLang="en-US" smtClean="0"/>
-              <a:t>2019-09-09</a:t>
+            <a:fld id="{E79A54D0-6958-4695-9E1D-3ABBB6FD5BBD}" type="datetimeFigureOut">
+              <a:rPr lang="ko-KR" altLang="en-US" smtClean="0"/>
+              <a:t>2019-09-30</a:t>
             </a:fld>
             <a:endParaRPr lang="ko-KR" altLang="en-US"/>
           </a:p>
@@ -293,7 +296,7 @@
           <a:bodyPr/>
           <a:lstStyle/>
           <a:p>
-            <a:fld id="{A86D8AEE-9CE3-4E57-AB15-F0AB7AB0CF07}" type="slidenum">
+            <a:fld id="{9A046D72-C166-4251-8760-7074AA13EB09}" type="slidenum">
               <a:rPr lang="ko-KR" altLang="en-US" smtClean="0"/>
               <a:t>‹#›</a:t>
             </a:fld>
@@ -304,7 +307,7 @@
     </p:spTree>
     <p:extLst>
       <p:ext uri="{BB962C8B-B14F-4D97-AF65-F5344CB8AC3E}">
-        <p14:creationId xmlns:p14="http://schemas.microsoft.com/office/powerpoint/2010/main" val="85471458"/>
+        <p14:creationId xmlns:p14="http://schemas.microsoft.com/office/powerpoint/2010/main" val="3095320052"/>
       </p:ext>
     </p:extLst>
   </p:cSld>
@@ -421,9 +424,9 @@
           <a:bodyPr/>
           <a:lstStyle/>
           <a:p>
-            <a:fld id="{AFA440EB-78CB-4CCF-985C-74540B9D3F4C}" type="datetimeFigureOut">
-              <a:rPr lang="ko-KR" altLang="en-US" smtClean="0"/>
-              <a:t>2019-09-09</a:t>
+            <a:fld id="{E79A54D0-6958-4695-9E1D-3ABBB6FD5BBD}" type="datetimeFigureOut">
+              <a:rPr lang="ko-KR" altLang="en-US" smtClean="0"/>
+              <a:t>2019-09-30</a:t>
             </a:fld>
             <a:endParaRPr lang="ko-KR" altLang="en-US"/>
           </a:p>
@@ -463,7 +466,7 @@
           <a:bodyPr/>
           <a:lstStyle/>
           <a:p>
-            <a:fld id="{A86D8AEE-9CE3-4E57-AB15-F0AB7AB0CF07}" type="slidenum">
+            <a:fld id="{9A046D72-C166-4251-8760-7074AA13EB09}" type="slidenum">
               <a:rPr lang="ko-KR" altLang="en-US" smtClean="0"/>
               <a:t>‹#›</a:t>
             </a:fld>
@@ -474,7 +477,7 @@
     </p:spTree>
     <p:extLst>
       <p:ext uri="{BB962C8B-B14F-4D97-AF65-F5344CB8AC3E}">
-        <p14:creationId xmlns:p14="http://schemas.microsoft.com/office/powerpoint/2010/main" val="4153755600"/>
+        <p14:creationId xmlns:p14="http://schemas.microsoft.com/office/powerpoint/2010/main" val="354634122"/>
       </p:ext>
     </p:extLst>
   </p:cSld>
@@ -601,9 +604,9 @@
           <a:bodyPr/>
           <a:lstStyle/>
           <a:p>
-            <a:fld id="{AFA440EB-78CB-4CCF-985C-74540B9D3F4C}" type="datetimeFigureOut">
-              <a:rPr lang="ko-KR" altLang="en-US" smtClean="0"/>
-              <a:t>2019-09-09</a:t>
+            <a:fld id="{E79A54D0-6958-4695-9E1D-3ABBB6FD5BBD}" type="datetimeFigureOut">
+              <a:rPr lang="ko-KR" altLang="en-US" smtClean="0"/>
+              <a:t>2019-09-30</a:t>
             </a:fld>
             <a:endParaRPr lang="ko-KR" altLang="en-US"/>
           </a:p>
@@ -643,7 +646,7 @@
           <a:bodyPr/>
           <a:lstStyle/>
           <a:p>
-            <a:fld id="{A86D8AEE-9CE3-4E57-AB15-F0AB7AB0CF07}" type="slidenum">
+            <a:fld id="{9A046D72-C166-4251-8760-7074AA13EB09}" type="slidenum">
               <a:rPr lang="ko-KR" altLang="en-US" smtClean="0"/>
               <a:t>‹#›</a:t>
             </a:fld>
@@ -654,7 +657,7 @@
     </p:spTree>
     <p:extLst>
       <p:ext uri="{BB962C8B-B14F-4D97-AF65-F5344CB8AC3E}">
-        <p14:creationId xmlns:p14="http://schemas.microsoft.com/office/powerpoint/2010/main" val="2659532130"/>
+        <p14:creationId xmlns:p14="http://schemas.microsoft.com/office/powerpoint/2010/main" val="271647371"/>
       </p:ext>
     </p:extLst>
   </p:cSld>
@@ -771,9 +774,9 @@
           <a:bodyPr/>
           <a:lstStyle/>
           <a:p>
-            <a:fld id="{AFA440EB-78CB-4CCF-985C-74540B9D3F4C}" type="datetimeFigureOut">
-              <a:rPr lang="ko-KR" altLang="en-US" smtClean="0"/>
-              <a:t>2019-09-09</a:t>
+            <a:fld id="{E79A54D0-6958-4695-9E1D-3ABBB6FD5BBD}" type="datetimeFigureOut">
+              <a:rPr lang="ko-KR" altLang="en-US" smtClean="0"/>
+              <a:t>2019-09-30</a:t>
             </a:fld>
             <a:endParaRPr lang="ko-KR" altLang="en-US"/>
           </a:p>
@@ -813,7 +816,7 @@
           <a:bodyPr/>
           <a:lstStyle/>
           <a:p>
-            <a:fld id="{A86D8AEE-9CE3-4E57-AB15-F0AB7AB0CF07}" type="slidenum">
+            <a:fld id="{9A046D72-C166-4251-8760-7074AA13EB09}" type="slidenum">
               <a:rPr lang="ko-KR" altLang="en-US" smtClean="0"/>
               <a:t>‹#›</a:t>
             </a:fld>
@@ -824,7 +827,7 @@
     </p:spTree>
     <p:extLst>
       <p:ext uri="{BB962C8B-B14F-4D97-AF65-F5344CB8AC3E}">
-        <p14:creationId xmlns:p14="http://schemas.microsoft.com/office/powerpoint/2010/main" val="2208187867"/>
+        <p14:creationId xmlns:p14="http://schemas.microsoft.com/office/powerpoint/2010/main" val="1344817789"/>
       </p:ext>
     </p:extLst>
   </p:cSld>
@@ -1017,9 +1020,9 @@
           <a:bodyPr/>
           <a:lstStyle/>
           <a:p>
-            <a:fld id="{AFA440EB-78CB-4CCF-985C-74540B9D3F4C}" type="datetimeFigureOut">
-              <a:rPr lang="ko-KR" altLang="en-US" smtClean="0"/>
-              <a:t>2019-09-09</a:t>
+            <a:fld id="{E79A54D0-6958-4695-9E1D-3ABBB6FD5BBD}" type="datetimeFigureOut">
+              <a:rPr lang="ko-KR" altLang="en-US" smtClean="0"/>
+              <a:t>2019-09-30</a:t>
             </a:fld>
             <a:endParaRPr lang="ko-KR" altLang="en-US"/>
           </a:p>
@@ -1059,7 +1062,7 @@
           <a:bodyPr/>
           <a:lstStyle/>
           <a:p>
-            <a:fld id="{A86D8AEE-9CE3-4E57-AB15-F0AB7AB0CF07}" type="slidenum">
+            <a:fld id="{9A046D72-C166-4251-8760-7074AA13EB09}" type="slidenum">
               <a:rPr lang="ko-KR" altLang="en-US" smtClean="0"/>
               <a:t>‹#›</a:t>
             </a:fld>
@@ -1070,7 +1073,7 @@
     </p:spTree>
     <p:extLst>
       <p:ext uri="{BB962C8B-B14F-4D97-AF65-F5344CB8AC3E}">
-        <p14:creationId xmlns:p14="http://schemas.microsoft.com/office/powerpoint/2010/main" val="1483836274"/>
+        <p14:creationId xmlns:p14="http://schemas.microsoft.com/office/powerpoint/2010/main" val="2752085913"/>
       </p:ext>
     </p:extLst>
   </p:cSld>
@@ -1249,9 +1252,9 @@
           <a:bodyPr/>
           <a:lstStyle/>
           <a:p>
-            <a:fld id="{AFA440EB-78CB-4CCF-985C-74540B9D3F4C}" type="datetimeFigureOut">
-              <a:rPr lang="ko-KR" altLang="en-US" smtClean="0"/>
-              <a:t>2019-09-09</a:t>
+            <a:fld id="{E79A54D0-6958-4695-9E1D-3ABBB6FD5BBD}" type="datetimeFigureOut">
+              <a:rPr lang="ko-KR" altLang="en-US" smtClean="0"/>
+              <a:t>2019-09-30</a:t>
             </a:fld>
             <a:endParaRPr lang="ko-KR" altLang="en-US"/>
           </a:p>
@@ -1291,7 +1294,7 @@
           <a:bodyPr/>
           <a:lstStyle/>
           <a:p>
-            <a:fld id="{A86D8AEE-9CE3-4E57-AB15-F0AB7AB0CF07}" type="slidenum">
+            <a:fld id="{9A046D72-C166-4251-8760-7074AA13EB09}" type="slidenum">
               <a:rPr lang="ko-KR" altLang="en-US" smtClean="0"/>
               <a:t>‹#›</a:t>
             </a:fld>
@@ -1302,7 +1305,7 @@
     </p:spTree>
     <p:extLst>
       <p:ext uri="{BB962C8B-B14F-4D97-AF65-F5344CB8AC3E}">
-        <p14:creationId xmlns:p14="http://schemas.microsoft.com/office/powerpoint/2010/main" val="4214402808"/>
+        <p14:creationId xmlns:p14="http://schemas.microsoft.com/office/powerpoint/2010/main" val="611257005"/>
       </p:ext>
     </p:extLst>
   </p:cSld>
@@ -1616,9 +1619,9 @@
           <a:bodyPr/>
           <a:lstStyle/>
           <a:p>
-            <a:fld id="{AFA440EB-78CB-4CCF-985C-74540B9D3F4C}" type="datetimeFigureOut">
-              <a:rPr lang="ko-KR" altLang="en-US" smtClean="0"/>
-              <a:t>2019-09-09</a:t>
+            <a:fld id="{E79A54D0-6958-4695-9E1D-3ABBB6FD5BBD}" type="datetimeFigureOut">
+              <a:rPr lang="ko-KR" altLang="en-US" smtClean="0"/>
+              <a:t>2019-09-30</a:t>
             </a:fld>
             <a:endParaRPr lang="ko-KR" altLang="en-US"/>
           </a:p>
@@ -1658,7 +1661,7 @@
           <a:bodyPr/>
           <a:lstStyle/>
           <a:p>
-            <a:fld id="{A86D8AEE-9CE3-4E57-AB15-F0AB7AB0CF07}" type="slidenum">
+            <a:fld id="{9A046D72-C166-4251-8760-7074AA13EB09}" type="slidenum">
               <a:rPr lang="ko-KR" altLang="en-US" smtClean="0"/>
               <a:t>‹#›</a:t>
             </a:fld>
@@ -1669,7 +1672,7 @@
     </p:spTree>
     <p:extLst>
       <p:ext uri="{BB962C8B-B14F-4D97-AF65-F5344CB8AC3E}">
-        <p14:creationId xmlns:p14="http://schemas.microsoft.com/office/powerpoint/2010/main" val="2806955288"/>
+        <p14:creationId xmlns:p14="http://schemas.microsoft.com/office/powerpoint/2010/main" val="3025226372"/>
       </p:ext>
     </p:extLst>
   </p:cSld>
@@ -1734,9 +1737,9 @@
           <a:bodyPr/>
           <a:lstStyle/>
           <a:p>
-            <a:fld id="{AFA440EB-78CB-4CCF-985C-74540B9D3F4C}" type="datetimeFigureOut">
-              <a:rPr lang="ko-KR" altLang="en-US" smtClean="0"/>
-              <a:t>2019-09-09</a:t>
+            <a:fld id="{E79A54D0-6958-4695-9E1D-3ABBB6FD5BBD}" type="datetimeFigureOut">
+              <a:rPr lang="ko-KR" altLang="en-US" smtClean="0"/>
+              <a:t>2019-09-30</a:t>
             </a:fld>
             <a:endParaRPr lang="ko-KR" altLang="en-US"/>
           </a:p>
@@ -1776,7 +1779,7 @@
           <a:bodyPr/>
           <a:lstStyle/>
           <a:p>
-            <a:fld id="{A86D8AEE-9CE3-4E57-AB15-F0AB7AB0CF07}" type="slidenum">
+            <a:fld id="{9A046D72-C166-4251-8760-7074AA13EB09}" type="slidenum">
               <a:rPr lang="ko-KR" altLang="en-US" smtClean="0"/>
               <a:t>‹#›</a:t>
             </a:fld>
@@ -1787,7 +1790,7 @@
     </p:spTree>
     <p:extLst>
       <p:ext uri="{BB962C8B-B14F-4D97-AF65-F5344CB8AC3E}">
-        <p14:creationId xmlns:p14="http://schemas.microsoft.com/office/powerpoint/2010/main" val="215172474"/>
+        <p14:creationId xmlns:p14="http://schemas.microsoft.com/office/powerpoint/2010/main" val="1045513181"/>
       </p:ext>
     </p:extLst>
   </p:cSld>
@@ -1829,9 +1832,9 @@
           <a:bodyPr/>
           <a:lstStyle/>
           <a:p>
-            <a:fld id="{AFA440EB-78CB-4CCF-985C-74540B9D3F4C}" type="datetimeFigureOut">
-              <a:rPr lang="ko-KR" altLang="en-US" smtClean="0"/>
-              <a:t>2019-09-09</a:t>
+            <a:fld id="{E79A54D0-6958-4695-9E1D-3ABBB6FD5BBD}" type="datetimeFigureOut">
+              <a:rPr lang="ko-KR" altLang="en-US" smtClean="0"/>
+              <a:t>2019-09-30</a:t>
             </a:fld>
             <a:endParaRPr lang="ko-KR" altLang="en-US"/>
           </a:p>
@@ -1871,7 +1874,7 @@
           <a:bodyPr/>
           <a:lstStyle/>
           <a:p>
-            <a:fld id="{A86D8AEE-9CE3-4E57-AB15-F0AB7AB0CF07}" type="slidenum">
+            <a:fld id="{9A046D72-C166-4251-8760-7074AA13EB09}" type="slidenum">
               <a:rPr lang="ko-KR" altLang="en-US" smtClean="0"/>
               <a:t>‹#›</a:t>
             </a:fld>
@@ -1882,7 +1885,7 @@
     </p:spTree>
     <p:extLst>
       <p:ext uri="{BB962C8B-B14F-4D97-AF65-F5344CB8AC3E}">
-        <p14:creationId xmlns:p14="http://schemas.microsoft.com/office/powerpoint/2010/main" val="4008512876"/>
+        <p14:creationId xmlns:p14="http://schemas.microsoft.com/office/powerpoint/2010/main" val="1230017600"/>
       </p:ext>
     </p:extLst>
   </p:cSld>
@@ -2106,9 +2109,9 @@
           <a:bodyPr/>
           <a:lstStyle/>
           <a:p>
-            <a:fld id="{AFA440EB-78CB-4CCF-985C-74540B9D3F4C}" type="datetimeFigureOut">
-              <a:rPr lang="ko-KR" altLang="en-US" smtClean="0"/>
-              <a:t>2019-09-09</a:t>
+            <a:fld id="{E79A54D0-6958-4695-9E1D-3ABBB6FD5BBD}" type="datetimeFigureOut">
+              <a:rPr lang="ko-KR" altLang="en-US" smtClean="0"/>
+              <a:t>2019-09-30</a:t>
             </a:fld>
             <a:endParaRPr lang="ko-KR" altLang="en-US"/>
           </a:p>
@@ -2148,7 +2151,7 @@
           <a:bodyPr/>
           <a:lstStyle/>
           <a:p>
-            <a:fld id="{A86D8AEE-9CE3-4E57-AB15-F0AB7AB0CF07}" type="slidenum">
+            <a:fld id="{9A046D72-C166-4251-8760-7074AA13EB09}" type="slidenum">
               <a:rPr lang="ko-KR" altLang="en-US" smtClean="0"/>
               <a:t>‹#›</a:t>
             </a:fld>
@@ -2159,7 +2162,7 @@
     </p:spTree>
     <p:extLst>
       <p:ext uri="{BB962C8B-B14F-4D97-AF65-F5344CB8AC3E}">
-        <p14:creationId xmlns:p14="http://schemas.microsoft.com/office/powerpoint/2010/main" val="3695748080"/>
+        <p14:creationId xmlns:p14="http://schemas.microsoft.com/office/powerpoint/2010/main" val="3270658829"/>
       </p:ext>
     </p:extLst>
   </p:cSld>
@@ -2359,9 +2362,9 @@
           <a:bodyPr/>
           <a:lstStyle/>
           <a:p>
-            <a:fld id="{AFA440EB-78CB-4CCF-985C-74540B9D3F4C}" type="datetimeFigureOut">
-              <a:rPr lang="ko-KR" altLang="en-US" smtClean="0"/>
-              <a:t>2019-09-09</a:t>
+            <a:fld id="{E79A54D0-6958-4695-9E1D-3ABBB6FD5BBD}" type="datetimeFigureOut">
+              <a:rPr lang="ko-KR" altLang="en-US" smtClean="0"/>
+              <a:t>2019-09-30</a:t>
             </a:fld>
             <a:endParaRPr lang="ko-KR" altLang="en-US"/>
           </a:p>
@@ -2401,7 +2404,7 @@
           <a:bodyPr/>
           <a:lstStyle/>
           <a:p>
-            <a:fld id="{A86D8AEE-9CE3-4E57-AB15-F0AB7AB0CF07}" type="slidenum">
+            <a:fld id="{9A046D72-C166-4251-8760-7074AA13EB09}" type="slidenum">
               <a:rPr lang="ko-KR" altLang="en-US" smtClean="0"/>
               <a:t>‹#›</a:t>
             </a:fld>
@@ -2412,7 +2415,7 @@
     </p:spTree>
     <p:extLst>
       <p:ext uri="{BB962C8B-B14F-4D97-AF65-F5344CB8AC3E}">
-        <p14:creationId xmlns:p14="http://schemas.microsoft.com/office/powerpoint/2010/main" val="2938165667"/>
+        <p14:creationId xmlns:p14="http://schemas.microsoft.com/office/powerpoint/2010/main" val="4038404562"/>
       </p:ext>
     </p:extLst>
   </p:cSld>
@@ -2572,9 +2575,9 @@
             </a:lvl1pPr>
           </a:lstStyle>
           <a:p>
-            <a:fld id="{AFA440EB-78CB-4CCF-985C-74540B9D3F4C}" type="datetimeFigureOut">
-              <a:rPr lang="ko-KR" altLang="en-US" smtClean="0"/>
-              <a:t>2019-09-09</a:t>
+            <a:fld id="{E79A54D0-6958-4695-9E1D-3ABBB6FD5BBD}" type="datetimeFigureOut">
+              <a:rPr lang="ko-KR" altLang="en-US" smtClean="0"/>
+              <a:t>2019-09-30</a:t>
             </a:fld>
             <a:endParaRPr lang="ko-KR" altLang="en-US"/>
           </a:p>
@@ -2650,7 +2653,7 @@
             </a:lvl1pPr>
           </a:lstStyle>
           <a:p>
-            <a:fld id="{A86D8AEE-9CE3-4E57-AB15-F0AB7AB0CF07}" type="slidenum">
+            <a:fld id="{9A046D72-C166-4251-8760-7074AA13EB09}" type="slidenum">
               <a:rPr lang="ko-KR" altLang="en-US" smtClean="0"/>
               <a:t>‹#›</a:t>
             </a:fld>
@@ -2661,7 +2664,7 @@
     </p:spTree>
     <p:extLst>
       <p:ext uri="{BB962C8B-B14F-4D97-AF65-F5344CB8AC3E}">
-        <p14:creationId xmlns:p14="http://schemas.microsoft.com/office/powerpoint/2010/main" val="4067918169"/>
+        <p14:creationId xmlns:p14="http://schemas.microsoft.com/office/powerpoint/2010/main" val="1244012239"/>
       </p:ext>
     </p:extLst>
   </p:cSld>
@@ -3001,8 +3004,8 @@
         </p:blipFill>
         <p:spPr>
           <a:xfrm>
-            <a:off x="3319462" y="1119187"/>
-            <a:ext cx="5553075" cy="4619625"/>
+            <a:off x="3957637" y="2562225"/>
+            <a:ext cx="4276725" cy="1733550"/>
           </a:xfrm>
           <a:prstGeom prst="rect">
             <a:avLst/>
@@ -3012,7 +3015,7 @@
     </p:spTree>
     <p:extLst>
       <p:ext uri="{BB962C8B-B14F-4D97-AF65-F5344CB8AC3E}">
-        <p14:creationId xmlns:p14="http://schemas.microsoft.com/office/powerpoint/2010/main" val="2112098914"/>
+        <p14:creationId xmlns:p14="http://schemas.microsoft.com/office/powerpoint/2010/main" val="36821708"/>
       </p:ext>
     </p:extLst>
   </p:cSld>
@@ -3061,8 +3064,8 @@
         </p:blipFill>
         <p:spPr>
           <a:xfrm>
-            <a:off x="3333750" y="1785937"/>
-            <a:ext cx="5524500" cy="3286125"/>
+            <a:off x="552450" y="209550"/>
+            <a:ext cx="10058400" cy="5841476"/>
           </a:xfrm>
           <a:prstGeom prst="rect">
             <a:avLst/>
@@ -3072,7 +3075,7 @@
     </p:spTree>
     <p:extLst>
       <p:ext uri="{BB962C8B-B14F-4D97-AF65-F5344CB8AC3E}">
-        <p14:creationId xmlns:p14="http://schemas.microsoft.com/office/powerpoint/2010/main" val="148763938"/>
+        <p14:creationId xmlns:p14="http://schemas.microsoft.com/office/powerpoint/2010/main" val="1153901842"/>
       </p:ext>
     </p:extLst>
   </p:cSld>
@@ -3121,8 +3124,8 @@
         </p:blipFill>
         <p:spPr>
           <a:xfrm>
-            <a:off x="1690687" y="2771775"/>
-            <a:ext cx="8810625" cy="1314450"/>
+            <a:off x="185737" y="795337"/>
+            <a:ext cx="10058400" cy="4482107"/>
           </a:xfrm>
           <a:prstGeom prst="rect">
             <a:avLst/>
@@ -3132,7 +3135,7 @@
     </p:spTree>
     <p:extLst>
       <p:ext uri="{BB962C8B-B14F-4D97-AF65-F5344CB8AC3E}">
-        <p14:creationId xmlns:p14="http://schemas.microsoft.com/office/powerpoint/2010/main" val="689333463"/>
+        <p14:creationId xmlns:p14="http://schemas.microsoft.com/office/powerpoint/2010/main" val="1414413634"/>
       </p:ext>
     </p:extLst>
   </p:cSld>
@@ -3181,8 +3184,8 @@
         </p:blipFill>
         <p:spPr>
           <a:xfrm>
-            <a:off x="1638300" y="2066925"/>
-            <a:ext cx="8915400" cy="2724150"/>
+            <a:off x="538162" y="347662"/>
+            <a:ext cx="10058400" cy="5576507"/>
           </a:xfrm>
           <a:prstGeom prst="rect">
             <a:avLst/>
@@ -3192,7 +3195,7 @@
     </p:spTree>
     <p:extLst>
       <p:ext uri="{BB962C8B-B14F-4D97-AF65-F5344CB8AC3E}">
-        <p14:creationId xmlns:p14="http://schemas.microsoft.com/office/powerpoint/2010/main" val="3448186089"/>
+        <p14:creationId xmlns:p14="http://schemas.microsoft.com/office/powerpoint/2010/main" val="2844971864"/>
       </p:ext>
     </p:extLst>
   </p:cSld>
@@ -3241,8 +3244,8 @@
         </p:blipFill>
         <p:spPr>
           <a:xfrm>
-            <a:off x="1504950" y="1957387"/>
-            <a:ext cx="9182100" cy="2943225"/>
+            <a:off x="3152775" y="595312"/>
+            <a:ext cx="5886450" cy="5667375"/>
           </a:xfrm>
           <a:prstGeom prst="rect">
             <a:avLst/>
@@ -3252,7 +3255,7 @@
     </p:spTree>
     <p:extLst>
       <p:ext uri="{BB962C8B-B14F-4D97-AF65-F5344CB8AC3E}">
-        <p14:creationId xmlns:p14="http://schemas.microsoft.com/office/powerpoint/2010/main" val="2069086079"/>
+        <p14:creationId xmlns:p14="http://schemas.microsoft.com/office/powerpoint/2010/main" val="940465298"/>
       </p:ext>
     </p:extLst>
   </p:cSld>
@@ -3281,7 +3284,7 @@
       </p:grpSpPr>
       <p:pic>
         <p:nvPicPr>
-          <p:cNvPr id="4" name="그림 3"/>
+          <p:cNvPr id="2" name="그림 1"/>
           <p:cNvPicPr>
             <a:picLocks noChangeAspect="1"/>
           </p:cNvPicPr>
@@ -3301,8 +3304,8 @@
         </p:blipFill>
         <p:spPr>
           <a:xfrm>
-            <a:off x="996779" y="1567562"/>
-            <a:ext cx="10058400" cy="3615069"/>
+            <a:off x="1576387" y="323850"/>
+            <a:ext cx="9039225" cy="6210300"/>
           </a:xfrm>
           <a:prstGeom prst="rect">
             <a:avLst/>
@@ -3312,7 +3315,7 @@
     </p:spTree>
     <p:extLst>
       <p:ext uri="{BB962C8B-B14F-4D97-AF65-F5344CB8AC3E}">
-        <p14:creationId xmlns:p14="http://schemas.microsoft.com/office/powerpoint/2010/main" val="2805434644"/>
+        <p14:creationId xmlns:p14="http://schemas.microsoft.com/office/powerpoint/2010/main" val="1270189971"/>
       </p:ext>
     </p:extLst>
   </p:cSld>
@@ -3361,8 +3364,8 @@
         </p:blipFill>
         <p:spPr>
           <a:xfrm>
-            <a:off x="1162050" y="1724025"/>
-            <a:ext cx="9867900" cy="3409950"/>
+            <a:off x="985837" y="723900"/>
+            <a:ext cx="10058400" cy="5324483"/>
           </a:xfrm>
           <a:prstGeom prst="rect">
             <a:avLst/>
@@ -3372,7 +3375,7 @@
     </p:spTree>
     <p:extLst>
       <p:ext uri="{BB962C8B-B14F-4D97-AF65-F5344CB8AC3E}">
-        <p14:creationId xmlns:p14="http://schemas.microsoft.com/office/powerpoint/2010/main" val="3294784939"/>
+        <p14:creationId xmlns:p14="http://schemas.microsoft.com/office/powerpoint/2010/main" val="3271405470"/>
       </p:ext>
     </p:extLst>
   </p:cSld>
@@ -3421,8 +3424,8 @@
         </p:blipFill>
         <p:spPr>
           <a:xfrm>
-            <a:off x="619125" y="1057275"/>
-            <a:ext cx="10058400" cy="4355724"/>
+            <a:off x="3609975" y="1638300"/>
+            <a:ext cx="4972050" cy="3581400"/>
           </a:xfrm>
           <a:prstGeom prst="rect">
             <a:avLst/>
@@ -3432,7 +3435,187 @@
     </p:spTree>
     <p:extLst>
       <p:ext uri="{BB962C8B-B14F-4D97-AF65-F5344CB8AC3E}">
-        <p14:creationId xmlns:p14="http://schemas.microsoft.com/office/powerpoint/2010/main" val="3728600462"/>
+        <p14:creationId xmlns:p14="http://schemas.microsoft.com/office/powerpoint/2010/main" val="2182445809"/>
+      </p:ext>
+    </p:extLst>
+  </p:cSld>
+  <p:clrMapOvr>
+    <a:masterClrMapping/>
+  </p:clrMapOvr>
+</p:sld>
+</file>
+
+<file path=ppt/slides/slide17.xml><?xml version="1.0" encoding="utf-8"?>
+<p:sld xmlns:a="http://schemas.openxmlformats.org/drawingml/2006/main" xmlns:r="http://schemas.openxmlformats.org/officeDocument/2006/relationships" xmlns:p="http://schemas.openxmlformats.org/presentationml/2006/main">
+  <p:cSld>
+    <p:spTree>
+      <p:nvGrpSpPr>
+        <p:cNvPr id="1" name=""/>
+        <p:cNvGrpSpPr/>
+        <p:nvPr/>
+      </p:nvGrpSpPr>
+      <p:grpSpPr>
+        <a:xfrm>
+          <a:off x="0" y="0"/>
+          <a:ext cx="0" cy="0"/>
+          <a:chOff x="0" y="0"/>
+          <a:chExt cx="0" cy="0"/>
+        </a:xfrm>
+      </p:grpSpPr>
+      <p:pic>
+        <p:nvPicPr>
+          <p:cNvPr id="2" name="그림 1"/>
+          <p:cNvPicPr>
+            <a:picLocks noChangeAspect="1"/>
+          </p:cNvPicPr>
+          <p:nvPr/>
+        </p:nvPicPr>
+        <p:blipFill>
+          <a:blip r:embed="rId2">
+            <a:extLst>
+              <a:ext uri="{28A0092B-C50C-407E-A947-70E740481C1C}">
+                <a14:useLocalDpi xmlns:a14="http://schemas.microsoft.com/office/drawing/2010/main" val="0"/>
+              </a:ext>
+            </a:extLst>
+          </a:blip>
+          <a:stretch>
+            <a:fillRect/>
+          </a:stretch>
+        </p:blipFill>
+        <p:spPr>
+          <a:xfrm>
+            <a:off x="442912" y="1533525"/>
+            <a:ext cx="10058400" cy="3372572"/>
+          </a:xfrm>
+          <a:prstGeom prst="rect">
+            <a:avLst/>
+          </a:prstGeom>
+        </p:spPr>
+      </p:pic>
+    </p:spTree>
+    <p:extLst>
+      <p:ext uri="{BB962C8B-B14F-4D97-AF65-F5344CB8AC3E}">
+        <p14:creationId xmlns:p14="http://schemas.microsoft.com/office/powerpoint/2010/main" val="3263908497"/>
+      </p:ext>
+    </p:extLst>
+  </p:cSld>
+  <p:clrMapOvr>
+    <a:masterClrMapping/>
+  </p:clrMapOvr>
+</p:sld>
+</file>
+
+<file path=ppt/slides/slide18.xml><?xml version="1.0" encoding="utf-8"?>
+<p:sld xmlns:a="http://schemas.openxmlformats.org/drawingml/2006/main" xmlns:r="http://schemas.openxmlformats.org/officeDocument/2006/relationships" xmlns:p="http://schemas.openxmlformats.org/presentationml/2006/main">
+  <p:cSld>
+    <p:spTree>
+      <p:nvGrpSpPr>
+        <p:cNvPr id="1" name=""/>
+        <p:cNvGrpSpPr/>
+        <p:nvPr/>
+      </p:nvGrpSpPr>
+      <p:grpSpPr>
+        <a:xfrm>
+          <a:off x="0" y="0"/>
+          <a:ext cx="0" cy="0"/>
+          <a:chOff x="0" y="0"/>
+          <a:chExt cx="0" cy="0"/>
+        </a:xfrm>
+      </p:grpSpPr>
+      <p:pic>
+        <p:nvPicPr>
+          <p:cNvPr id="2" name="그림 1"/>
+          <p:cNvPicPr>
+            <a:picLocks noChangeAspect="1"/>
+          </p:cNvPicPr>
+          <p:nvPr/>
+        </p:nvPicPr>
+        <p:blipFill>
+          <a:blip r:embed="rId2">
+            <a:extLst>
+              <a:ext uri="{28A0092B-C50C-407E-A947-70E740481C1C}">
+                <a14:useLocalDpi xmlns:a14="http://schemas.microsoft.com/office/drawing/2010/main" val="0"/>
+              </a:ext>
+            </a:extLst>
+          </a:blip>
+          <a:stretch>
+            <a:fillRect/>
+          </a:stretch>
+        </p:blipFill>
+        <p:spPr>
+          <a:xfrm>
+            <a:off x="1066800" y="919162"/>
+            <a:ext cx="10058400" cy="5019675"/>
+          </a:xfrm>
+          <a:prstGeom prst="rect">
+            <a:avLst/>
+          </a:prstGeom>
+        </p:spPr>
+      </p:pic>
+    </p:spTree>
+    <p:extLst>
+      <p:ext uri="{BB962C8B-B14F-4D97-AF65-F5344CB8AC3E}">
+        <p14:creationId xmlns:p14="http://schemas.microsoft.com/office/powerpoint/2010/main" val="3710877865"/>
+      </p:ext>
+    </p:extLst>
+  </p:cSld>
+  <p:clrMapOvr>
+    <a:masterClrMapping/>
+  </p:clrMapOvr>
+</p:sld>
+</file>
+
+<file path=ppt/slides/slide19.xml><?xml version="1.0" encoding="utf-8"?>
+<p:sld xmlns:a="http://schemas.openxmlformats.org/drawingml/2006/main" xmlns:r="http://schemas.openxmlformats.org/officeDocument/2006/relationships" xmlns:p="http://schemas.openxmlformats.org/presentationml/2006/main">
+  <p:cSld>
+    <p:spTree>
+      <p:nvGrpSpPr>
+        <p:cNvPr id="1" name=""/>
+        <p:cNvGrpSpPr/>
+        <p:nvPr/>
+      </p:nvGrpSpPr>
+      <p:grpSpPr>
+        <a:xfrm>
+          <a:off x="0" y="0"/>
+          <a:ext cx="0" cy="0"/>
+          <a:chOff x="0" y="0"/>
+          <a:chExt cx="0" cy="0"/>
+        </a:xfrm>
+      </p:grpSpPr>
+      <p:pic>
+        <p:nvPicPr>
+          <p:cNvPr id="2" name="그림 1"/>
+          <p:cNvPicPr>
+            <a:picLocks noChangeAspect="1"/>
+          </p:cNvPicPr>
+          <p:nvPr/>
+        </p:nvPicPr>
+        <p:blipFill>
+          <a:blip r:embed="rId2">
+            <a:extLst>
+              <a:ext uri="{28A0092B-C50C-407E-A947-70E740481C1C}">
+                <a14:useLocalDpi xmlns:a14="http://schemas.microsoft.com/office/drawing/2010/main" val="0"/>
+              </a:ext>
+            </a:extLst>
+          </a:blip>
+          <a:stretch>
+            <a:fillRect/>
+          </a:stretch>
+        </p:blipFill>
+        <p:spPr>
+          <a:xfrm>
+            <a:off x="1343025" y="695325"/>
+            <a:ext cx="9505950" cy="5467350"/>
+          </a:xfrm>
+          <a:prstGeom prst="rect">
+            <a:avLst/>
+          </a:prstGeom>
+        </p:spPr>
+      </p:pic>
+    </p:spTree>
+    <p:extLst>
+      <p:ext uri="{BB962C8B-B14F-4D97-AF65-F5344CB8AC3E}">
+        <p14:creationId xmlns:p14="http://schemas.microsoft.com/office/powerpoint/2010/main" val="1257524323"/>
       </p:ext>
     </p:extLst>
   </p:cSld>
@@ -3481,8 +3664,8 @@
         </p:blipFill>
         <p:spPr>
           <a:xfrm>
-            <a:off x="3328987" y="1157287"/>
-            <a:ext cx="5534025" cy="4543425"/>
+            <a:off x="1733550" y="1814512"/>
+            <a:ext cx="8724900" cy="3228975"/>
           </a:xfrm>
           <a:prstGeom prst="rect">
             <a:avLst/>
@@ -3492,7 +3675,7 @@
     </p:spTree>
     <p:extLst>
       <p:ext uri="{BB962C8B-B14F-4D97-AF65-F5344CB8AC3E}">
-        <p14:creationId xmlns:p14="http://schemas.microsoft.com/office/powerpoint/2010/main" val="1042621440"/>
+        <p14:creationId xmlns:p14="http://schemas.microsoft.com/office/powerpoint/2010/main" val="2851317266"/>
       </p:ext>
     </p:extLst>
   </p:cSld>
@@ -3521,7 +3704,7 @@
       </p:grpSpPr>
       <p:pic>
         <p:nvPicPr>
-          <p:cNvPr id="2" name="그림 1"/>
+          <p:cNvPr id="4" name="그림 3"/>
           <p:cNvPicPr>
             <a:picLocks noChangeAspect="1"/>
           </p:cNvPicPr>
@@ -3541,8 +3724,8 @@
         </p:blipFill>
         <p:spPr>
           <a:xfrm>
-            <a:off x="3290887" y="1138237"/>
-            <a:ext cx="5610225" cy="4581525"/>
+            <a:off x="885825" y="1109662"/>
+            <a:ext cx="10058400" cy="4477551"/>
           </a:xfrm>
           <a:prstGeom prst="rect">
             <a:avLst/>
@@ -3552,7 +3735,7 @@
     </p:spTree>
     <p:extLst>
       <p:ext uri="{BB962C8B-B14F-4D97-AF65-F5344CB8AC3E}">
-        <p14:creationId xmlns:p14="http://schemas.microsoft.com/office/powerpoint/2010/main" val="3269984376"/>
+        <p14:creationId xmlns:p14="http://schemas.microsoft.com/office/powerpoint/2010/main" val="2827067726"/>
       </p:ext>
     </p:extLst>
   </p:cSld>
@@ -3601,8 +3784,8 @@
         </p:blipFill>
         <p:spPr>
           <a:xfrm>
-            <a:off x="3343275" y="1147762"/>
-            <a:ext cx="5505450" cy="4562475"/>
+            <a:off x="300037" y="914400"/>
+            <a:ext cx="10058400" cy="4363874"/>
           </a:xfrm>
           <a:prstGeom prst="rect">
             <a:avLst/>
@@ -3612,7 +3795,7 @@
     </p:spTree>
     <p:extLst>
       <p:ext uri="{BB962C8B-B14F-4D97-AF65-F5344CB8AC3E}">
-        <p14:creationId xmlns:p14="http://schemas.microsoft.com/office/powerpoint/2010/main" val="3112883221"/>
+        <p14:creationId xmlns:p14="http://schemas.microsoft.com/office/powerpoint/2010/main" val="1278774277"/>
       </p:ext>
     </p:extLst>
   </p:cSld>
@@ -3661,8 +3844,8 @@
         </p:blipFill>
         <p:spPr>
           <a:xfrm>
-            <a:off x="3324225" y="1657350"/>
-            <a:ext cx="5543550" cy="3543300"/>
+            <a:off x="114300" y="1533525"/>
+            <a:ext cx="10058400" cy="3187295"/>
           </a:xfrm>
           <a:prstGeom prst="rect">
             <a:avLst/>
@@ -3672,7 +3855,7 @@
     </p:spTree>
     <p:extLst>
       <p:ext uri="{BB962C8B-B14F-4D97-AF65-F5344CB8AC3E}">
-        <p14:creationId xmlns:p14="http://schemas.microsoft.com/office/powerpoint/2010/main" val="196381589"/>
+        <p14:creationId xmlns:p14="http://schemas.microsoft.com/office/powerpoint/2010/main" val="3770859755"/>
       </p:ext>
     </p:extLst>
   </p:cSld>
@@ -3721,8 +3904,8 @@
         </p:blipFill>
         <p:spPr>
           <a:xfrm>
-            <a:off x="1828800" y="2081212"/>
-            <a:ext cx="8534400" cy="2695575"/>
+            <a:off x="3338512" y="1566862"/>
+            <a:ext cx="5514975" cy="3724275"/>
           </a:xfrm>
           <a:prstGeom prst="rect">
             <a:avLst/>
@@ -3732,7 +3915,7 @@
     </p:spTree>
     <p:extLst>
       <p:ext uri="{BB962C8B-B14F-4D97-AF65-F5344CB8AC3E}">
-        <p14:creationId xmlns:p14="http://schemas.microsoft.com/office/powerpoint/2010/main" val="3763141489"/>
+        <p14:creationId xmlns:p14="http://schemas.microsoft.com/office/powerpoint/2010/main" val="629850381"/>
       </p:ext>
     </p:extLst>
   </p:cSld>
@@ -3781,8 +3964,8 @@
         </p:blipFill>
         <p:spPr>
           <a:xfrm>
-            <a:off x="1604962" y="1866900"/>
-            <a:ext cx="8982075" cy="3124200"/>
+            <a:off x="3914775" y="2462212"/>
+            <a:ext cx="4362450" cy="1933575"/>
           </a:xfrm>
           <a:prstGeom prst="rect">
             <a:avLst/>
@@ -3792,7 +3975,7 @@
     </p:spTree>
     <p:extLst>
       <p:ext uri="{BB962C8B-B14F-4D97-AF65-F5344CB8AC3E}">
-        <p14:creationId xmlns:p14="http://schemas.microsoft.com/office/powerpoint/2010/main" val="2968694407"/>
+        <p14:creationId xmlns:p14="http://schemas.microsoft.com/office/powerpoint/2010/main" val="3151002932"/>
       </p:ext>
     </p:extLst>
   </p:cSld>
@@ -3841,8 +4024,8 @@
         </p:blipFill>
         <p:spPr>
           <a:xfrm>
-            <a:off x="1181100" y="1981200"/>
-            <a:ext cx="9829800" cy="2895600"/>
+            <a:off x="223837" y="681037"/>
+            <a:ext cx="10058400" cy="4706972"/>
           </a:xfrm>
           <a:prstGeom prst="rect">
             <a:avLst/>
@@ -3852,7 +4035,7 @@
     </p:spTree>
     <p:extLst>
       <p:ext uri="{BB962C8B-B14F-4D97-AF65-F5344CB8AC3E}">
-        <p14:creationId xmlns:p14="http://schemas.microsoft.com/office/powerpoint/2010/main" val="800191438"/>
+        <p14:creationId xmlns:p14="http://schemas.microsoft.com/office/powerpoint/2010/main" val="3381641818"/>
       </p:ext>
     </p:extLst>
   </p:cSld>
@@ -3901,8 +4084,8 @@
         </p:blipFill>
         <p:spPr>
           <a:xfrm>
-            <a:off x="1171575" y="2000250"/>
-            <a:ext cx="9848850" cy="2857500"/>
+            <a:off x="476250" y="1966912"/>
+            <a:ext cx="10058400" cy="2616888"/>
           </a:xfrm>
           <a:prstGeom prst="rect">
             <a:avLst/>
@@ -3912,7 +4095,7 @@
     </p:spTree>
     <p:extLst>
       <p:ext uri="{BB962C8B-B14F-4D97-AF65-F5344CB8AC3E}">
-        <p14:creationId xmlns:p14="http://schemas.microsoft.com/office/powerpoint/2010/main" val="1451481452"/>
+        <p14:creationId xmlns:p14="http://schemas.microsoft.com/office/powerpoint/2010/main" val="2399018288"/>
       </p:ext>
     </p:extLst>
   </p:cSld>
